--- a/companion-website/public/files/4. A-Paul-agetics.pptx
+++ b/companion-website/public/files/4. A-Paul-agetics.pptx
@@ -5,7 +5,7 @@
     <p:sldMasterId id="2147483648" r:id="rId1"/>
   </p:sldMasterIdLst>
   <p:notesMasterIdLst>
-    <p:notesMasterId r:id="rId20"/>
+    <p:notesMasterId r:id="rId21"/>
   </p:notesMasterIdLst>
   <p:sldIdLst>
     <p:sldId id="275" r:id="rId2"/>
@@ -19,13 +19,14 @@
     <p:sldId id="442" r:id="rId10"/>
     <p:sldId id="445" r:id="rId11"/>
     <p:sldId id="452" r:id="rId12"/>
-    <p:sldId id="446" r:id="rId13"/>
-    <p:sldId id="458" r:id="rId14"/>
-    <p:sldId id="454" r:id="rId15"/>
-    <p:sldId id="456" r:id="rId16"/>
-    <p:sldId id="447" r:id="rId17"/>
-    <p:sldId id="457" r:id="rId18"/>
-    <p:sldId id="448" r:id="rId19"/>
+    <p:sldId id="459" r:id="rId13"/>
+    <p:sldId id="446" r:id="rId14"/>
+    <p:sldId id="458" r:id="rId15"/>
+    <p:sldId id="454" r:id="rId16"/>
+    <p:sldId id="456" r:id="rId17"/>
+    <p:sldId id="447" r:id="rId18"/>
+    <p:sldId id="457" r:id="rId19"/>
+    <p:sldId id="448" r:id="rId20"/>
   </p:sldIdLst>
   <p:sldSz cx="9144000" cy="6858000" type="screen4x3"/>
   <p:notesSz cx="6858000" cy="9144000"/>
@@ -2196,7 +2197,7 @@
           <a:p>
             <a:fld id="{8F7EB338-8BB0-B64B-9F79-C87EA24D723F}" type="datetimeFigureOut">
               <a:rPr lang="en-US" smtClean="0"/>
-              <a:t>8/23/20</a:t>
+              <a:t>8/26/20</a:t>
             </a:fld>
             <a:endParaRPr lang="en-US"/>
           </a:p>
@@ -2647,7 +2648,7 @@
             <a:fld id="{DBE77699-C466-4996-ADED-71C8160E04A2}" type="datetimeFigureOut">
               <a:rPr lang="en-US" smtClean="0"/>
               <a:pPr/>
-              <a:t>8/23/20</a:t>
+              <a:t>8/26/20</a:t>
             </a:fld>
             <a:endParaRPr lang="en-US"/>
           </a:p>
@@ -2812,7 +2813,7 @@
             <a:fld id="{DBE77699-C466-4996-ADED-71C8160E04A2}" type="datetimeFigureOut">
               <a:rPr lang="en-US" smtClean="0"/>
               <a:pPr/>
-              <a:t>8/23/20</a:t>
+              <a:t>8/26/20</a:t>
             </a:fld>
             <a:endParaRPr lang="en-US"/>
           </a:p>
@@ -2987,7 +2988,7 @@
             <a:fld id="{DBE77699-C466-4996-ADED-71C8160E04A2}" type="datetimeFigureOut">
               <a:rPr lang="en-US" smtClean="0"/>
               <a:pPr/>
-              <a:t>8/23/20</a:t>
+              <a:t>8/26/20</a:t>
             </a:fld>
             <a:endParaRPr lang="en-US"/>
           </a:p>
@@ -3106,7 +3107,7 @@
             <a:fld id="{DBE77699-C466-4996-ADED-71C8160E04A2}" type="datetimeFigureOut">
               <a:rPr lang="en-US" smtClean="0"/>
               <a:pPr/>
-              <a:t>8/23/20</a:t>
+              <a:t>8/26/20</a:t>
             </a:fld>
             <a:endParaRPr lang="en-US"/>
           </a:p>
@@ -3528,7 +3529,7 @@
             <a:fld id="{DBE77699-C466-4996-ADED-71C8160E04A2}" type="datetimeFigureOut">
               <a:rPr lang="en-US" smtClean="0"/>
               <a:pPr/>
-              <a:t>8/23/20</a:t>
+              <a:t>8/26/20</a:t>
             </a:fld>
             <a:endParaRPr lang="en-US"/>
           </a:p>
@@ -3737,7 +3738,7 @@
             <a:fld id="{DBE77699-C466-4996-ADED-71C8160E04A2}" type="datetimeFigureOut">
               <a:rPr lang="en-US" smtClean="0"/>
               <a:pPr/>
-              <a:t>8/23/20</a:t>
+              <a:t>8/26/20</a:t>
             </a:fld>
             <a:endParaRPr lang="en-US"/>
           </a:p>
@@ -3979,7 +3980,7 @@
             <a:fld id="{DBE77699-C466-4996-ADED-71C8160E04A2}" type="datetimeFigureOut">
               <a:rPr lang="en-US" smtClean="0"/>
               <a:pPr/>
-              <a:t>8/23/20</a:t>
+              <a:t>8/26/20</a:t>
             </a:fld>
             <a:endParaRPr lang="en-US"/>
           </a:p>
@@ -4261,7 +4262,7 @@
             <a:fld id="{DBE77699-C466-4996-ADED-71C8160E04A2}" type="datetimeFigureOut">
               <a:rPr lang="en-US" smtClean="0"/>
               <a:pPr/>
-              <a:t>8/23/20</a:t>
+              <a:t>8/26/20</a:t>
             </a:fld>
             <a:endParaRPr lang="en-US"/>
           </a:p>
@@ -4677,7 +4678,7 @@
             <a:fld id="{DBE77699-C466-4996-ADED-71C8160E04A2}" type="datetimeFigureOut">
               <a:rPr lang="en-US" smtClean="0"/>
               <a:pPr/>
-              <a:t>8/23/20</a:t>
+              <a:t>8/26/20</a:t>
             </a:fld>
             <a:endParaRPr lang="en-US"/>
           </a:p>
@@ -4791,7 +4792,7 @@
             <a:fld id="{DBE77699-C466-4996-ADED-71C8160E04A2}" type="datetimeFigureOut">
               <a:rPr lang="en-US" smtClean="0"/>
               <a:pPr/>
-              <a:t>8/23/20</a:t>
+              <a:t>8/26/20</a:t>
             </a:fld>
             <a:endParaRPr lang="en-US"/>
           </a:p>
@@ -4883,7 +4884,7 @@
             <a:fld id="{DBE77699-C466-4996-ADED-71C8160E04A2}" type="datetimeFigureOut">
               <a:rPr lang="en-US" smtClean="0"/>
               <a:pPr/>
-              <a:t>8/23/20</a:t>
+              <a:t>8/26/20</a:t>
             </a:fld>
             <a:endParaRPr lang="en-US"/>
           </a:p>
@@ -5155,7 +5156,7 @@
             <a:fld id="{DBE77699-C466-4996-ADED-71C8160E04A2}" type="datetimeFigureOut">
               <a:rPr lang="en-US" smtClean="0"/>
               <a:pPr/>
-              <a:t>8/23/20</a:t>
+              <a:t>8/26/20</a:t>
             </a:fld>
             <a:endParaRPr lang="en-US"/>
           </a:p>
@@ -5404,7 +5405,7 @@
             <a:fld id="{DBE77699-C466-4996-ADED-71C8160E04A2}" type="datetimeFigureOut">
               <a:rPr lang="en-US" smtClean="0"/>
               <a:pPr/>
-              <a:t>8/23/20</a:t>
+              <a:t>8/26/20</a:t>
             </a:fld>
             <a:endParaRPr lang="en-US"/>
           </a:p>
@@ -5615,7 +5616,7 @@
             <a:fld id="{DBE77699-C466-4996-ADED-71C8160E04A2}" type="datetimeFigureOut">
               <a:rPr lang="en-US" smtClean="0"/>
               <a:pPr/>
-              <a:t>8/23/20</a:t>
+              <a:t>8/26/20</a:t>
             </a:fld>
             <a:endParaRPr lang="en-US"/>
           </a:p>
@@ -7057,6 +7058,135 @@
       </p:grpSpPr>
       <p:sp>
         <p:nvSpPr>
+          <p:cNvPr id="2" name="Title 1">
+            <a:extLst>
+              <a:ext uri="{FF2B5EF4-FFF2-40B4-BE49-F238E27FC236}">
+                <a16:creationId xmlns:a16="http://schemas.microsoft.com/office/drawing/2014/main" id="{C8F392D1-A4F5-744A-9239-99BC6612F901}"/>
+              </a:ext>
+            </a:extLst>
+          </p:cNvPr>
+          <p:cNvSpPr>
+            <a:spLocks noGrp="1"/>
+          </p:cNvSpPr>
+          <p:nvPr>
+            <p:ph type="title"/>
+          </p:nvPr>
+        </p:nvSpPr>
+        <p:spPr>
+          <a:xfrm>
+            <a:off x="457200" y="152400"/>
+            <a:ext cx="8686800" cy="3962400"/>
+          </a:xfrm>
+        </p:spPr>
+        <p:txBody>
+          <a:bodyPr anchor="b" anchorCtr="0">
+            <a:normAutofit/>
+          </a:bodyPr>
+          <a:lstStyle/>
+          <a:p>
+            <a:pPr>
+              <a:tabLst>
+                <a:tab pos="91440" algn="l"/>
+              </a:tabLst>
+            </a:pPr>
+            <a:r>
+              <a:rPr lang="en-US" dirty="0"/>
+              <a:t>“I have already stated that the Athenians are far more devoted to religion than other men”</a:t>
+            </a:r>
+            <a:br>
+              <a:rPr lang="en-US" dirty="0"/>
+            </a:br>
+            <a:endParaRPr lang="en-US" dirty="0"/>
+          </a:p>
+        </p:txBody>
+      </p:sp>
+      <p:sp>
+        <p:nvSpPr>
+          <p:cNvPr id="3" name="Text Placeholder 2">
+            <a:extLst>
+              <a:ext uri="{FF2B5EF4-FFF2-40B4-BE49-F238E27FC236}">
+                <a16:creationId xmlns:a16="http://schemas.microsoft.com/office/drawing/2014/main" id="{D79591E0-89A3-7048-B1C5-91B4FFFB65C9}"/>
+              </a:ext>
+            </a:extLst>
+          </p:cNvPr>
+          <p:cNvSpPr>
+            <a:spLocks noGrp="1"/>
+          </p:cNvSpPr>
+          <p:nvPr>
+            <p:ph type="body" sz="quarter" idx="13"/>
+          </p:nvPr>
+        </p:nvSpPr>
+        <p:spPr>
+          <a:xfrm>
+            <a:off x="114300" y="4495800"/>
+            <a:ext cx="8915400" cy="1371600"/>
+          </a:xfrm>
+        </p:spPr>
+        <p:txBody>
+          <a:bodyPr>
+            <a:normAutofit lnSpcReduction="10000"/>
+          </a:bodyPr>
+          <a:lstStyle/>
+          <a:p>
+            <a:pPr algn="l"/>
+            <a:r>
+              <a:rPr lang="en-US" sz="4400" cap="all" dirty="0">
+                <a:solidFill>
+                  <a:srgbClr val="009EC0"/>
+                </a:solidFill>
+              </a:rPr>
+              <a:t>Pausanias</a:t>
+            </a:r>
+            <a:br>
+              <a:rPr lang="en-US" sz="4400" dirty="0">
+                <a:solidFill>
+                  <a:srgbClr val="009EC0"/>
+                </a:solidFill>
+              </a:rPr>
+            </a:br>
+            <a:r>
+              <a:rPr lang="en-US" sz="4400" b="0" i="1" dirty="0">
+                <a:solidFill>
+                  <a:srgbClr val="009EC0"/>
+                </a:solidFill>
+              </a:rPr>
+              <a:t>Description of Greece</a:t>
+            </a:r>
+          </a:p>
+        </p:txBody>
+      </p:sp>
+    </p:spTree>
+    <p:extLst>
+      <p:ext uri="{BB962C8B-B14F-4D97-AF65-F5344CB8AC3E}">
+        <p14:creationId xmlns:p14="http://schemas.microsoft.com/office/powerpoint/2010/main" val="3038582712"/>
+      </p:ext>
+    </p:extLst>
+  </p:cSld>
+  <p:clrMapOvr>
+    <a:masterClrMapping/>
+  </p:clrMapOvr>
+</p:sld>
+</file>
+
+<file path=ppt/slides/slide13.xml><?xml version="1.0" encoding="utf-8"?>
+<p:sld xmlns:a="http://schemas.openxmlformats.org/drawingml/2006/main" xmlns:r="http://schemas.openxmlformats.org/officeDocument/2006/relationships" xmlns:p="http://schemas.openxmlformats.org/presentationml/2006/main">
+  <p:cSld>
+    <p:spTree>
+      <p:nvGrpSpPr>
+        <p:cNvPr id="1" name=""/>
+        <p:cNvGrpSpPr/>
+        <p:nvPr/>
+      </p:nvGrpSpPr>
+      <p:grpSpPr>
+        <a:xfrm>
+          <a:off x="0" y="0"/>
+          <a:ext cx="0" cy="0"/>
+          <a:chOff x="0" y="0"/>
+          <a:chExt cx="0" cy="0"/>
+        </a:xfrm>
+      </p:grpSpPr>
+      <p:sp>
+        <p:nvSpPr>
           <p:cNvPr id="2" name="Title 1"/>
           <p:cNvSpPr>
             <a:spLocks noGrp="1"/>
@@ -7114,7 +7244,7 @@
 </p:sld>
 </file>
 
-<file path=ppt/slides/slide13.xml><?xml version="1.0" encoding="utf-8"?>
+<file path=ppt/slides/slide14.xml><?xml version="1.0" encoding="utf-8"?>
 <p:sld xmlns:a="http://schemas.openxmlformats.org/drawingml/2006/main" xmlns:r="http://schemas.openxmlformats.org/officeDocument/2006/relationships" xmlns:p="http://schemas.openxmlformats.org/presentationml/2006/main">
   <p:cSld>
     <p:spTree>
@@ -7762,7 +7892,7 @@
 </p:sld>
 </file>
 
-<file path=ppt/slides/slide14.xml><?xml version="1.0" encoding="utf-8"?>
+<file path=ppt/slides/slide15.xml><?xml version="1.0" encoding="utf-8"?>
 <p:sld xmlns:a="http://schemas.openxmlformats.org/drawingml/2006/main" xmlns:r="http://schemas.openxmlformats.org/officeDocument/2006/relationships" xmlns:p="http://schemas.openxmlformats.org/presentationml/2006/main">
   <p:cSld>
     <p:spTree>
@@ -7973,7 +8103,7 @@
 </p:sld>
 </file>
 
-<file path=ppt/slides/slide15.xml><?xml version="1.0" encoding="utf-8"?>
+<file path=ppt/slides/slide16.xml><?xml version="1.0" encoding="utf-8"?>
 <p:sld xmlns:a="http://schemas.openxmlformats.org/drawingml/2006/main" xmlns:r="http://schemas.openxmlformats.org/officeDocument/2006/relationships" xmlns:p="http://schemas.openxmlformats.org/presentationml/2006/main">
   <p:cSld>
     <p:spTree>
@@ -8976,82 +9106,6 @@
 </p:sld>
 </file>
 
-<file path=ppt/slides/slide16.xml><?xml version="1.0" encoding="utf-8"?>
-<p:sld xmlns:a="http://schemas.openxmlformats.org/drawingml/2006/main" xmlns:r="http://schemas.openxmlformats.org/officeDocument/2006/relationships" xmlns:p="http://schemas.openxmlformats.org/presentationml/2006/main">
-  <p:cSld>
-    <p:spTree>
-      <p:nvGrpSpPr>
-        <p:cNvPr id="1" name=""/>
-        <p:cNvGrpSpPr/>
-        <p:nvPr/>
-      </p:nvGrpSpPr>
-      <p:grpSpPr>
-        <a:xfrm>
-          <a:off x="0" y="0"/>
-          <a:ext cx="0" cy="0"/>
-          <a:chOff x="0" y="0"/>
-          <a:chExt cx="0" cy="0"/>
-        </a:xfrm>
-      </p:grpSpPr>
-      <p:sp>
-        <p:nvSpPr>
-          <p:cNvPr id="2" name="Title 1"/>
-          <p:cNvSpPr>
-            <a:spLocks noGrp="1"/>
-          </p:cNvSpPr>
-          <p:nvPr>
-            <p:ph type="title"/>
-          </p:nvPr>
-        </p:nvSpPr>
-        <p:spPr/>
-        <p:txBody>
-          <a:bodyPr>
-            <a:normAutofit fontScale="90000"/>
-          </a:bodyPr>
-          <a:lstStyle/>
-          <a:p>
-            <a:r>
-              <a:rPr lang="en-US" dirty="0"/>
-              <a:t>Want can we learn from the response to Paul’s message?</a:t>
-            </a:r>
-          </a:p>
-        </p:txBody>
-      </p:sp>
-      <p:sp>
-        <p:nvSpPr>
-          <p:cNvPr id="3" name="Text Placeholder 2"/>
-          <p:cNvSpPr>
-            <a:spLocks noGrp="1"/>
-          </p:cNvSpPr>
-          <p:nvPr>
-            <p:ph type="body" sz="quarter" idx="13"/>
-          </p:nvPr>
-        </p:nvSpPr>
-        <p:spPr/>
-        <p:txBody>
-          <a:bodyPr/>
-          <a:lstStyle/>
-          <a:p>
-            <a:r>
-              <a:rPr lang="en-US" dirty="0"/>
-              <a:t>6</a:t>
-            </a:r>
-          </a:p>
-        </p:txBody>
-      </p:sp>
-    </p:spTree>
-    <p:extLst>
-      <p:ext uri="{BB962C8B-B14F-4D97-AF65-F5344CB8AC3E}">
-        <p14:creationId xmlns:p14="http://schemas.microsoft.com/office/powerpoint/2010/main" val="1569101739"/>
-      </p:ext>
-    </p:extLst>
-  </p:cSld>
-  <p:clrMapOvr>
-    <a:masterClrMapping/>
-  </p:clrMapOvr>
-</p:sld>
-</file>
-
 <file path=ppt/slides/slide17.xml><?xml version="1.0" encoding="utf-8"?>
 <p:sld xmlns:a="http://schemas.openxmlformats.org/drawingml/2006/main" xmlns:r="http://schemas.openxmlformats.org/officeDocument/2006/relationships" xmlns:p="http://schemas.openxmlformats.org/presentationml/2006/main">
   <p:cSld>
@@ -9071,6 +9125,82 @@
       </p:grpSpPr>
       <p:sp>
         <p:nvSpPr>
+          <p:cNvPr id="2" name="Title 1"/>
+          <p:cNvSpPr>
+            <a:spLocks noGrp="1"/>
+          </p:cNvSpPr>
+          <p:nvPr>
+            <p:ph type="title"/>
+          </p:nvPr>
+        </p:nvSpPr>
+        <p:spPr/>
+        <p:txBody>
+          <a:bodyPr>
+            <a:normAutofit fontScale="90000"/>
+          </a:bodyPr>
+          <a:lstStyle/>
+          <a:p>
+            <a:r>
+              <a:rPr lang="en-US" dirty="0"/>
+              <a:t>Want can we learn from the response to Paul’s message?</a:t>
+            </a:r>
+          </a:p>
+        </p:txBody>
+      </p:sp>
+      <p:sp>
+        <p:nvSpPr>
+          <p:cNvPr id="3" name="Text Placeholder 2"/>
+          <p:cNvSpPr>
+            <a:spLocks noGrp="1"/>
+          </p:cNvSpPr>
+          <p:nvPr>
+            <p:ph type="body" sz="quarter" idx="13"/>
+          </p:nvPr>
+        </p:nvSpPr>
+        <p:spPr/>
+        <p:txBody>
+          <a:bodyPr/>
+          <a:lstStyle/>
+          <a:p>
+            <a:r>
+              <a:rPr lang="en-US" dirty="0"/>
+              <a:t>6</a:t>
+            </a:r>
+          </a:p>
+        </p:txBody>
+      </p:sp>
+    </p:spTree>
+    <p:extLst>
+      <p:ext uri="{BB962C8B-B14F-4D97-AF65-F5344CB8AC3E}">
+        <p14:creationId xmlns:p14="http://schemas.microsoft.com/office/powerpoint/2010/main" val="1569101739"/>
+      </p:ext>
+    </p:extLst>
+  </p:cSld>
+  <p:clrMapOvr>
+    <a:masterClrMapping/>
+  </p:clrMapOvr>
+</p:sld>
+</file>
+
+<file path=ppt/slides/slide18.xml><?xml version="1.0" encoding="utf-8"?>
+<p:sld xmlns:a="http://schemas.openxmlformats.org/drawingml/2006/main" xmlns:r="http://schemas.openxmlformats.org/officeDocument/2006/relationships" xmlns:p="http://schemas.openxmlformats.org/presentationml/2006/main">
+  <p:cSld>
+    <p:spTree>
+      <p:nvGrpSpPr>
+        <p:cNvPr id="1" name=""/>
+        <p:cNvGrpSpPr/>
+        <p:nvPr/>
+      </p:nvGrpSpPr>
+      <p:grpSpPr>
+        <a:xfrm>
+          <a:off x="0" y="0"/>
+          <a:ext cx="0" cy="0"/>
+          <a:chOff x="0" y="0"/>
+          <a:chExt cx="0" cy="0"/>
+        </a:xfrm>
+      </p:grpSpPr>
+      <p:sp>
+        <p:nvSpPr>
           <p:cNvPr id="2" name="Title 1">
             <a:extLst>
               <a:ext uri="{FF2B5EF4-FFF2-40B4-BE49-F238E27FC236}">
@@ -9229,7 +9359,7 @@
 </p:sld>
 </file>
 
-<file path=ppt/slides/slide18.xml><?xml version="1.0" encoding="utf-8"?>
+<file path=ppt/slides/slide19.xml><?xml version="1.0" encoding="utf-8"?>
 <p:sld xmlns:a="http://schemas.openxmlformats.org/drawingml/2006/main" xmlns:r="http://schemas.openxmlformats.org/officeDocument/2006/relationships" xmlns:p="http://schemas.openxmlformats.org/presentationml/2006/main">
   <p:cSld>
     <p:spTree>
